--- a/Slides/PH223_Lecture_09.pptx
+++ b/Slides/PH223_Lecture_09.pptx
@@ -42,8 +42,8 @@
     <p:sldId id="279" r:id="rId33"/>
     <p:sldId id="280" r:id="rId34"/>
     <p:sldId id="281" r:id="rId35"/>
-    <p:sldId id="1241" r:id="rId36"/>
-    <p:sldId id="1225" r:id="rId37"/>
+    <p:sldId id="1225" r:id="rId36"/>
+    <p:sldId id="1241" r:id="rId37"/>
     <p:sldId id="1226" r:id="rId38"/>
     <p:sldId id="1230" r:id="rId39"/>
     <p:sldId id="1231" r:id="rId40"/>
@@ -168,16 +168,39 @@
 </p:presentation>
 </file>
 
-<file path=ppt/revisionInfo.xml><?xml version="1.0" encoding="utf-8"?>
-<p1510:revInfo xmlns:a="http://schemas.openxmlformats.org/drawingml/2006/main" xmlns:r="http://schemas.openxmlformats.org/officeDocument/2006/relationships" xmlns:p1510="http://schemas.microsoft.com/office/powerpoint/2015/10/main">
-  <p1510:revLst>
-    <p1510:client id="{A44F9186-463D-4809-AC2C-B561FB091AFE}" v="65" dt="2023-09-22T23:18:19.654"/>
-  </p1510:revLst>
-</p1510:revInfo>
-</file>
-
 <file path=ppt/changesInfos/changesInfo1.xml><?xml version="1.0" encoding="utf-8"?>
 <pc:chgInfo xmlns:a="http://schemas.openxmlformats.org/drawingml/2006/main" xmlns:r="http://schemas.openxmlformats.org/officeDocument/2006/relationships" xmlns:ac="http://schemas.microsoft.com/office/drawing/2013/main/command" xmlns:pc="http://schemas.microsoft.com/office/powerpoint/2013/main/command">
+  <pc:docChgLst>
+    <pc:chgData name="Lines, Todd" userId="afaf7c3a-e8aa-4568-882a-02ad8f9e19b0" providerId="ADAL" clId="{499CFB90-37DF-46A2-8A0D-8B55C03C2ACE}"/>
+    <pc:docChg chg="custSel modSld sldOrd">
+      <pc:chgData name="Lines, Todd" userId="afaf7c3a-e8aa-4568-882a-02ad8f9e19b0" providerId="ADAL" clId="{499CFB90-37DF-46A2-8A0D-8B55C03C2ACE}" dt="2024-01-22T23:17:37.016" v="2"/>
+      <pc:docMkLst>
+        <pc:docMk/>
+      </pc:docMkLst>
+      <pc:sldChg chg="ord">
+        <pc:chgData name="Lines, Todd" userId="afaf7c3a-e8aa-4568-882a-02ad8f9e19b0" providerId="ADAL" clId="{499CFB90-37DF-46A2-8A0D-8B55C03C2ACE}" dt="2024-01-22T23:17:37.016" v="2"/>
+        <pc:sldMkLst>
+          <pc:docMk/>
+          <pc:sldMk cId="3887757480" sldId="1225"/>
+        </pc:sldMkLst>
+      </pc:sldChg>
+      <pc:sldChg chg="modSp mod">
+        <pc:chgData name="Lines, Todd" userId="afaf7c3a-e8aa-4568-882a-02ad8f9e19b0" providerId="ADAL" clId="{499CFB90-37DF-46A2-8A0D-8B55C03C2ACE}" dt="2024-01-22T23:15:18.301" v="0" actId="313"/>
+        <pc:sldMkLst>
+          <pc:docMk/>
+          <pc:sldMk cId="3673939340" sldId="1238"/>
+        </pc:sldMkLst>
+        <pc:spChg chg="mod">
+          <ac:chgData name="Lines, Todd" userId="afaf7c3a-e8aa-4568-882a-02ad8f9e19b0" providerId="ADAL" clId="{499CFB90-37DF-46A2-8A0D-8B55C03C2ACE}" dt="2024-01-22T23:15:18.301" v="0" actId="313"/>
+          <ac:spMkLst>
+            <pc:docMk/>
+            <pc:sldMk cId="3673939340" sldId="1238"/>
+            <ac:spMk id="82948" creationId="{00000000-0000-0000-0000-000000000000}"/>
+          </ac:spMkLst>
+        </pc:spChg>
+      </pc:sldChg>
+    </pc:docChg>
+  </pc:docChgLst>
   <pc:docChgLst>
     <pc:chgData name="Lines, Todd" userId="afaf7c3a-e8aa-4568-882a-02ad8f9e19b0" providerId="ADAL" clId="{A44F9186-463D-4809-AC2C-B561FB091AFE}"/>
     <pc:docChg chg="custSel addSld delSld modSld sldOrd">
@@ -4235,7 +4258,7 @@
             <a:fld id="{2775F99F-2DB3-4D3C-A0B4-277E4B73E98C}" type="datetimeFigureOut">
               <a:rPr lang="en-US" smtClean="0"/>
               <a:pPr/>
-              <a:t>9/22/2023</a:t>
+              <a:t>1/22/2024</a:t>
             </a:fld>
             <a:endParaRPr lang="en-US"/>
           </a:p>
@@ -4797,7 +4820,7 @@
             <a:fld id="{7AB66208-4CF0-4D8F-BBD3-EFFDC88D9E4E}" type="datetimeFigureOut">
               <a:rPr lang="en-US" smtClean="0"/>
               <a:pPr/>
-              <a:t>9/22/2023</a:t>
+              <a:t>1/22/2024</a:t>
             </a:fld>
             <a:endParaRPr lang="en-US"/>
           </a:p>
@@ -4962,7 +4985,7 @@
             <a:fld id="{7AB66208-4CF0-4D8F-BBD3-EFFDC88D9E4E}" type="datetimeFigureOut">
               <a:rPr lang="en-US" smtClean="0"/>
               <a:pPr/>
-              <a:t>9/22/2023</a:t>
+              <a:t>1/22/2024</a:t>
             </a:fld>
             <a:endParaRPr lang="en-US"/>
           </a:p>
@@ -5137,7 +5160,7 @@
             <a:fld id="{7AB66208-4CF0-4D8F-BBD3-EFFDC88D9E4E}" type="datetimeFigureOut">
               <a:rPr lang="en-US" smtClean="0"/>
               <a:pPr/>
-              <a:t>9/22/2023</a:t>
+              <a:t>1/22/2024</a:t>
             </a:fld>
             <a:endParaRPr lang="en-US"/>
           </a:p>
@@ -5302,7 +5325,7 @@
             <a:fld id="{7AB66208-4CF0-4D8F-BBD3-EFFDC88D9E4E}" type="datetimeFigureOut">
               <a:rPr lang="en-US" smtClean="0"/>
               <a:pPr/>
-              <a:t>9/22/2023</a:t>
+              <a:t>1/22/2024</a:t>
             </a:fld>
             <a:endParaRPr lang="en-US"/>
           </a:p>
@@ -5544,7 +5567,7 @@
             <a:fld id="{7AB66208-4CF0-4D8F-BBD3-EFFDC88D9E4E}" type="datetimeFigureOut">
               <a:rPr lang="en-US" smtClean="0"/>
               <a:pPr/>
-              <a:t>9/22/2023</a:t>
+              <a:t>1/22/2024</a:t>
             </a:fld>
             <a:endParaRPr lang="en-US"/>
           </a:p>
@@ -5826,7 +5849,7 @@
             <a:fld id="{7AB66208-4CF0-4D8F-BBD3-EFFDC88D9E4E}" type="datetimeFigureOut">
               <a:rPr lang="en-US" smtClean="0"/>
               <a:pPr/>
-              <a:t>9/22/2023</a:t>
+              <a:t>1/22/2024</a:t>
             </a:fld>
             <a:endParaRPr lang="en-US"/>
           </a:p>
@@ -6242,7 +6265,7 @@
             <a:fld id="{7AB66208-4CF0-4D8F-BBD3-EFFDC88D9E4E}" type="datetimeFigureOut">
               <a:rPr lang="en-US" smtClean="0"/>
               <a:pPr/>
-              <a:t>9/22/2023</a:t>
+              <a:t>1/22/2024</a:t>
             </a:fld>
             <a:endParaRPr lang="en-US"/>
           </a:p>
@@ -6356,7 +6379,7 @@
             <a:fld id="{7AB66208-4CF0-4D8F-BBD3-EFFDC88D9E4E}" type="datetimeFigureOut">
               <a:rPr lang="en-US" smtClean="0"/>
               <a:pPr/>
-              <a:t>9/22/2023</a:t>
+              <a:t>1/22/2024</a:t>
             </a:fld>
             <a:endParaRPr lang="en-US"/>
           </a:p>
@@ -6448,7 +6471,7 @@
             <a:fld id="{7AB66208-4CF0-4D8F-BBD3-EFFDC88D9E4E}" type="datetimeFigureOut">
               <a:rPr lang="en-US" smtClean="0"/>
               <a:pPr/>
-              <a:t>9/22/2023</a:t>
+              <a:t>1/22/2024</a:t>
             </a:fld>
             <a:endParaRPr lang="en-US"/>
           </a:p>
@@ -6720,7 +6743,7 @@
             <a:fld id="{7AB66208-4CF0-4D8F-BBD3-EFFDC88D9E4E}" type="datetimeFigureOut">
               <a:rPr lang="en-US" smtClean="0"/>
               <a:pPr/>
-              <a:t>9/22/2023</a:t>
+              <a:t>1/22/2024</a:t>
             </a:fld>
             <a:endParaRPr lang="en-US"/>
           </a:p>
@@ -6969,7 +6992,7 @@
             <a:fld id="{7AB66208-4CF0-4D8F-BBD3-EFFDC88D9E4E}" type="datetimeFigureOut">
               <a:rPr lang="en-US" smtClean="0"/>
               <a:pPr/>
-              <a:t>9/22/2023</a:t>
+              <a:t>1/22/2024</a:t>
             </a:fld>
             <a:endParaRPr lang="en-US"/>
           </a:p>
@@ -7177,7 +7200,7 @@
             <a:fld id="{7AB66208-4CF0-4D8F-BBD3-EFFDC88D9E4E}" type="datetimeFigureOut">
               <a:rPr lang="en-US" smtClean="0"/>
               <a:pPr/>
-              <a:t>9/22/2023</a:t>
+              <a:t>1/22/2024</a:t>
             </a:fld>
             <a:endParaRPr lang="en-US"/>
           </a:p>
@@ -16143,150 +16166,6 @@
       </p:grpSpPr>
       <p:sp>
         <p:nvSpPr>
-          <p:cNvPr id="82947" name="Rectangle 2"/>
-          <p:cNvSpPr>
-            <a:spLocks noGrp="1" noChangeArrowheads="1"/>
-          </p:cNvSpPr>
-          <p:nvPr>
-            <p:ph type="title"/>
-          </p:nvPr>
-        </p:nvSpPr>
-        <p:spPr/>
-        <p:txBody>
-          <a:bodyPr/>
-          <a:lstStyle/>
-          <a:p>
-            <a:r>
-              <a:rPr lang="en-US" dirty="0"/>
-              <a:t>Question 223.9.3.2</a:t>
-            </a:r>
-          </a:p>
-        </p:txBody>
-      </p:sp>
-      <p:sp>
-        <p:nvSpPr>
-          <p:cNvPr id="82948" name="Rectangle 3"/>
-          <p:cNvSpPr>
-            <a:spLocks noGrp="1" noChangeArrowheads="1"/>
-          </p:cNvSpPr>
-          <p:nvPr>
-            <p:ph idx="1"/>
-          </p:nvPr>
-        </p:nvSpPr>
-        <p:spPr/>
-        <p:txBody>
-          <a:bodyPr/>
-          <a:lstStyle/>
-          <a:p>
-            <a:pPr marL="533400" indent="-533400" eaLnBrk="1" hangingPunct="1">
-              <a:buFontTx/>
-              <a:buNone/>
-            </a:pPr>
-            <a:r>
-              <a:rPr lang="en-US" sz="2800" dirty="0"/>
-              <a:t>If I make a wave signal last for less time, this will cause its frequency uncertainty to </a:t>
-            </a:r>
-          </a:p>
-          <a:p>
-            <a:pPr marL="533400" indent="-533400" eaLnBrk="1" hangingPunct="1">
-              <a:buFont typeface="+mj-lt"/>
-              <a:buAutoNum type="alphaLcParenR"/>
-            </a:pPr>
-            <a:r>
-              <a:rPr lang="en-US" sz="2800" dirty="0"/>
-              <a:t>Increase</a:t>
-            </a:r>
-          </a:p>
-          <a:p>
-            <a:pPr marL="533400" indent="-533400" eaLnBrk="1" hangingPunct="1">
-              <a:buFont typeface="+mj-lt"/>
-              <a:buAutoNum type="alphaLcParenR"/>
-            </a:pPr>
-            <a:r>
-              <a:rPr lang="en-US" sz="2800" dirty="0"/>
-              <a:t>Decrease</a:t>
-            </a:r>
-          </a:p>
-          <a:p>
-            <a:pPr marL="533400" indent="-533400" eaLnBrk="1" hangingPunct="1">
-              <a:buFont typeface="+mj-lt"/>
-              <a:buAutoNum type="alphaLcParenR"/>
-            </a:pPr>
-            <a:r>
-              <a:rPr lang="en-US" sz="2800" dirty="0"/>
-              <a:t>Stay the same</a:t>
-            </a:r>
-          </a:p>
-          <a:p>
-            <a:pPr marL="533400" indent="-533400" eaLnBrk="1" hangingPunct="1">
-              <a:buFont typeface="+mj-lt"/>
-              <a:buAutoNum type="alphaLcParenR"/>
-            </a:pPr>
-            <a:r>
-              <a:rPr lang="en-US" sz="2800" dirty="0"/>
-              <a:t>Explode</a:t>
-            </a:r>
-          </a:p>
-        </p:txBody>
-      </p:sp>
-      <p:sp>
-        <p:nvSpPr>
-          <p:cNvPr id="82946" name="Slide Number Placeholder 5"/>
-          <p:cNvSpPr>
-            <a:spLocks noGrp="1"/>
-          </p:cNvSpPr>
-          <p:nvPr>
-            <p:ph type="sldNum" sz="quarter" idx="12"/>
-          </p:nvPr>
-        </p:nvSpPr>
-        <p:spPr>
-          <a:noFill/>
-        </p:spPr>
-        <p:txBody>
-          <a:bodyPr/>
-          <a:lstStyle/>
-          <a:p>
-            <a:fld id="{A6164D1B-69C2-4734-9A54-A71F13ACE644}" type="slidenum">
-              <a:rPr lang="en-US" smtClean="0"/>
-              <a:pPr/>
-              <a:t>35</a:t>
-            </a:fld>
-            <a:endParaRPr lang="en-US"/>
-          </a:p>
-        </p:txBody>
-      </p:sp>
-    </p:spTree>
-    <p:extLst>
-      <p:ext uri="{BB962C8B-B14F-4D97-AF65-F5344CB8AC3E}">
-        <p14:creationId xmlns:p14="http://schemas.microsoft.com/office/powerpoint/2010/main" val="1673765700"/>
-      </p:ext>
-    </p:extLst>
-  </p:cSld>
-  <p:clrMapOvr>
-    <a:masterClrMapping/>
-  </p:clrMapOvr>
-</p:sld>
-</file>
-
-<file path=ppt/slides/slide36.xml><?xml version="1.0" encoding="utf-8"?>
-<p:sld xmlns:a="http://schemas.openxmlformats.org/drawingml/2006/main" xmlns:r="http://schemas.openxmlformats.org/officeDocument/2006/relationships" xmlns:p="http://schemas.openxmlformats.org/presentationml/2006/main">
-  <p:cSld>
-    <p:spTree>
-      <p:nvGrpSpPr>
-        <p:cNvPr id="1" name=""/>
-        <p:cNvGrpSpPr/>
-        <p:nvPr/>
-      </p:nvGrpSpPr>
-      <p:grpSpPr>
-        <a:xfrm>
-          <a:off x="0" y="0"/>
-          <a:ext cx="0" cy="0"/>
-          <a:chOff x="0" y="0"/>
-          <a:chExt cx="0" cy="0"/>
-        </a:xfrm>
-      </p:grpSpPr>
-      <p:sp>
-        <p:nvSpPr>
           <p:cNvPr id="29" name="Rectangle 28">
             <a:extLst>
               <a:ext uri="{FF2B5EF4-FFF2-40B4-BE49-F238E27FC236}">
@@ -17642,6 +17521,150 @@
     <p:extLst>
       <p:ext uri="{BB962C8B-B14F-4D97-AF65-F5344CB8AC3E}">
         <p14:creationId xmlns:p14="http://schemas.microsoft.com/office/powerpoint/2010/main" val="3887757480"/>
+      </p:ext>
+    </p:extLst>
+  </p:cSld>
+  <p:clrMapOvr>
+    <a:masterClrMapping/>
+  </p:clrMapOvr>
+</p:sld>
+</file>
+
+<file path=ppt/slides/slide36.xml><?xml version="1.0" encoding="utf-8"?>
+<p:sld xmlns:a="http://schemas.openxmlformats.org/drawingml/2006/main" xmlns:r="http://schemas.openxmlformats.org/officeDocument/2006/relationships" xmlns:p="http://schemas.openxmlformats.org/presentationml/2006/main">
+  <p:cSld>
+    <p:spTree>
+      <p:nvGrpSpPr>
+        <p:cNvPr id="1" name=""/>
+        <p:cNvGrpSpPr/>
+        <p:nvPr/>
+      </p:nvGrpSpPr>
+      <p:grpSpPr>
+        <a:xfrm>
+          <a:off x="0" y="0"/>
+          <a:ext cx="0" cy="0"/>
+          <a:chOff x="0" y="0"/>
+          <a:chExt cx="0" cy="0"/>
+        </a:xfrm>
+      </p:grpSpPr>
+      <p:sp>
+        <p:nvSpPr>
+          <p:cNvPr id="82947" name="Rectangle 2"/>
+          <p:cNvSpPr>
+            <a:spLocks noGrp="1" noChangeArrowheads="1"/>
+          </p:cNvSpPr>
+          <p:nvPr>
+            <p:ph type="title"/>
+          </p:nvPr>
+        </p:nvSpPr>
+        <p:spPr/>
+        <p:txBody>
+          <a:bodyPr/>
+          <a:lstStyle/>
+          <a:p>
+            <a:r>
+              <a:rPr lang="en-US" dirty="0"/>
+              <a:t>Question 223.9.3.2</a:t>
+            </a:r>
+          </a:p>
+        </p:txBody>
+      </p:sp>
+      <p:sp>
+        <p:nvSpPr>
+          <p:cNvPr id="82948" name="Rectangle 3"/>
+          <p:cNvSpPr>
+            <a:spLocks noGrp="1" noChangeArrowheads="1"/>
+          </p:cNvSpPr>
+          <p:nvPr>
+            <p:ph idx="1"/>
+          </p:nvPr>
+        </p:nvSpPr>
+        <p:spPr/>
+        <p:txBody>
+          <a:bodyPr/>
+          <a:lstStyle/>
+          <a:p>
+            <a:pPr marL="533400" indent="-533400" eaLnBrk="1" hangingPunct="1">
+              <a:buFontTx/>
+              <a:buNone/>
+            </a:pPr>
+            <a:r>
+              <a:rPr lang="en-US" sz="2800" dirty="0"/>
+              <a:t>If I make a wave signal last for less time, this will cause its frequency uncertainty to </a:t>
+            </a:r>
+          </a:p>
+          <a:p>
+            <a:pPr marL="533400" indent="-533400" eaLnBrk="1" hangingPunct="1">
+              <a:buFont typeface="+mj-lt"/>
+              <a:buAutoNum type="alphaLcParenR"/>
+            </a:pPr>
+            <a:r>
+              <a:rPr lang="en-US" sz="2800" dirty="0"/>
+              <a:t>Increase</a:t>
+            </a:r>
+          </a:p>
+          <a:p>
+            <a:pPr marL="533400" indent="-533400" eaLnBrk="1" hangingPunct="1">
+              <a:buFont typeface="+mj-lt"/>
+              <a:buAutoNum type="alphaLcParenR"/>
+            </a:pPr>
+            <a:r>
+              <a:rPr lang="en-US" sz="2800" dirty="0"/>
+              <a:t>Decrease</a:t>
+            </a:r>
+          </a:p>
+          <a:p>
+            <a:pPr marL="533400" indent="-533400" eaLnBrk="1" hangingPunct="1">
+              <a:buFont typeface="+mj-lt"/>
+              <a:buAutoNum type="alphaLcParenR"/>
+            </a:pPr>
+            <a:r>
+              <a:rPr lang="en-US" sz="2800" dirty="0"/>
+              <a:t>Stay the same</a:t>
+            </a:r>
+          </a:p>
+          <a:p>
+            <a:pPr marL="533400" indent="-533400" eaLnBrk="1" hangingPunct="1">
+              <a:buFont typeface="+mj-lt"/>
+              <a:buAutoNum type="alphaLcParenR"/>
+            </a:pPr>
+            <a:r>
+              <a:rPr lang="en-US" sz="2800" dirty="0"/>
+              <a:t>Explode</a:t>
+            </a:r>
+          </a:p>
+        </p:txBody>
+      </p:sp>
+      <p:sp>
+        <p:nvSpPr>
+          <p:cNvPr id="82946" name="Slide Number Placeholder 5"/>
+          <p:cNvSpPr>
+            <a:spLocks noGrp="1"/>
+          </p:cNvSpPr>
+          <p:nvPr>
+            <p:ph type="sldNum" sz="quarter" idx="12"/>
+          </p:nvPr>
+        </p:nvSpPr>
+        <p:spPr>
+          <a:noFill/>
+        </p:spPr>
+        <p:txBody>
+          <a:bodyPr/>
+          <a:lstStyle/>
+          <a:p>
+            <a:fld id="{A6164D1B-69C2-4734-9A54-A71F13ACE644}" type="slidenum">
+              <a:rPr lang="en-US" smtClean="0"/>
+              <a:pPr/>
+              <a:t>36</a:t>
+            </a:fld>
+            <a:endParaRPr lang="en-US"/>
+          </a:p>
+        </p:txBody>
+      </p:sp>
+    </p:spTree>
+    <p:extLst>
+      <p:ext uri="{BB962C8B-B14F-4D97-AF65-F5344CB8AC3E}">
+        <p14:creationId xmlns:p14="http://schemas.microsoft.com/office/powerpoint/2010/main" val="1673765700"/>
       </p:ext>
     </p:extLst>
   </p:cSld>
@@ -24278,13 +24301,8 @@
             </a:pPr>
             <a:r>
               <a:rPr lang="en-US" sz="2800" dirty="0"/>
-              <a:t>Hundreds of </a:t>
+              <a:t>Hundreds of frequencies</a:t>
             </a:r>
-            <a:r>
-              <a:rPr lang="en-US" sz="2800" dirty="0" err="1"/>
-              <a:t>freqencies</a:t>
-            </a:r>
-            <a:endParaRPr lang="en-US" sz="2800" dirty="0"/>
           </a:p>
         </p:txBody>
       </p:sp>

--- a/Slides/PH223_Lecture_09.pptx
+++ b/Slides/PH223_Lecture_09.pptx
@@ -5,7 +5,7 @@
     <p:sldMasterId id="2147483648" r:id="rId1"/>
   </p:sldMasterIdLst>
   <p:notesMasterIdLst>
-    <p:notesMasterId r:id="rId45"/>
+    <p:notesMasterId r:id="rId46"/>
   </p:notesMasterIdLst>
   <p:sldIdLst>
     <p:sldId id="1236" r:id="rId2"/>
@@ -51,6 +51,7 @@
     <p:sldId id="1233" r:id="rId42"/>
     <p:sldId id="1234" r:id="rId43"/>
     <p:sldId id="1235" r:id="rId44"/>
+    <p:sldId id="1242" r:id="rId45"/>
   </p:sldIdLst>
   <p:sldSz cx="9144000" cy="6858000" type="screen4x3"/>
   <p:notesSz cx="6858000" cy="9144000"/>
@@ -168,6 +169,14 @@
 </p:presentation>
 </file>
 
+<file path=ppt/revisionInfo.xml><?xml version="1.0" encoding="utf-8"?>
+<p1510:revInfo xmlns:a="http://schemas.openxmlformats.org/drawingml/2006/main" xmlns:r="http://schemas.openxmlformats.org/officeDocument/2006/relationships" xmlns:p1510="http://schemas.microsoft.com/office/powerpoint/2015/10/main">
+  <p1510:revLst>
+    <p1510:client id="{3C3C55EA-110E-417C-8F60-DFFD46DBA29B}" v="6" dt="2024-03-21T21:40:28.693"/>
+  </p1510:revLst>
+</p1510:revInfo>
+</file>
+
 <file path=ppt/changesInfos/changesInfo1.xml><?xml version="1.0" encoding="utf-8"?>
 <pc:chgInfo xmlns:a="http://schemas.openxmlformats.org/drawingml/2006/main" xmlns:r="http://schemas.openxmlformats.org/officeDocument/2006/relationships" xmlns:ac="http://schemas.microsoft.com/office/drawing/2013/main/command" xmlns:pc="http://schemas.microsoft.com/office/powerpoint/2013/main/command">
   <pc:docChgLst>
@@ -198,6 +207,123 @@
             <ac:spMk id="82948" creationId="{00000000-0000-0000-0000-000000000000}"/>
           </ac:spMkLst>
         </pc:spChg>
+      </pc:sldChg>
+    </pc:docChg>
+  </pc:docChgLst>
+  <pc:docChgLst>
+    <pc:chgData name="Lines, Todd" userId="afaf7c3a-e8aa-4568-882a-02ad8f9e19b0" providerId="ADAL" clId="{3C3C55EA-110E-417C-8F60-DFFD46DBA29B}"/>
+    <pc:docChg chg="custSel addSld modSld">
+      <pc:chgData name="Lines, Todd" userId="afaf7c3a-e8aa-4568-882a-02ad8f9e19b0" providerId="ADAL" clId="{3C3C55EA-110E-417C-8F60-DFFD46DBA29B}" dt="2024-03-21T21:40:32.813" v="16" actId="21"/>
+      <pc:docMkLst>
+        <pc:docMk/>
+      </pc:docMkLst>
+      <pc:sldChg chg="delSp modSp mod">
+        <pc:chgData name="Lines, Todd" userId="afaf7c3a-e8aa-4568-882a-02ad8f9e19b0" providerId="ADAL" clId="{3C3C55EA-110E-417C-8F60-DFFD46DBA29B}" dt="2024-03-21T21:04:25.519" v="1" actId="21"/>
+        <pc:sldMkLst>
+          <pc:docMk/>
+          <pc:sldMk cId="0" sldId="278"/>
+        </pc:sldMkLst>
+        <pc:picChg chg="del mod">
+          <ac:chgData name="Lines, Todd" userId="afaf7c3a-e8aa-4568-882a-02ad8f9e19b0" providerId="ADAL" clId="{3C3C55EA-110E-417C-8F60-DFFD46DBA29B}" dt="2024-03-21T21:04:25.519" v="1" actId="21"/>
+          <ac:picMkLst>
+            <pc:docMk/>
+            <pc:sldMk cId="0" sldId="278"/>
+            <ac:picMk id="2" creationId="{9C1C3D3D-FF61-1FA5-A85A-33FF9B68F457}"/>
+          </ac:picMkLst>
+        </pc:picChg>
+      </pc:sldChg>
+      <pc:sldChg chg="delSp modSp mod">
+        <pc:chgData name="Lines, Todd" userId="afaf7c3a-e8aa-4568-882a-02ad8f9e19b0" providerId="ADAL" clId="{3C3C55EA-110E-417C-8F60-DFFD46DBA29B}" dt="2024-03-21T21:11:48.088" v="5" actId="21"/>
+        <pc:sldMkLst>
+          <pc:docMk/>
+          <pc:sldMk cId="0" sldId="279"/>
+        </pc:sldMkLst>
+        <pc:picChg chg="del mod">
+          <ac:chgData name="Lines, Todd" userId="afaf7c3a-e8aa-4568-882a-02ad8f9e19b0" providerId="ADAL" clId="{3C3C55EA-110E-417C-8F60-DFFD46DBA29B}" dt="2024-03-21T21:09:27.793" v="3" actId="21"/>
+          <ac:picMkLst>
+            <pc:docMk/>
+            <pc:sldMk cId="0" sldId="279"/>
+            <ac:picMk id="2" creationId="{BCF09036-3FDF-F716-1320-33093CBA1DB8}"/>
+          </ac:picMkLst>
+        </pc:picChg>
+        <pc:picChg chg="del mod">
+          <ac:chgData name="Lines, Todd" userId="afaf7c3a-e8aa-4568-882a-02ad8f9e19b0" providerId="ADAL" clId="{3C3C55EA-110E-417C-8F60-DFFD46DBA29B}" dt="2024-03-21T21:11:48.088" v="5" actId="21"/>
+          <ac:picMkLst>
+            <pc:docMk/>
+            <pc:sldMk cId="0" sldId="279"/>
+            <ac:picMk id="3" creationId="{48BDBF20-3109-C5BB-2574-06F68E58D6F9}"/>
+          </ac:picMkLst>
+        </pc:picChg>
+      </pc:sldChg>
+      <pc:sldChg chg="delSp modSp mod">
+        <pc:chgData name="Lines, Todd" userId="afaf7c3a-e8aa-4568-882a-02ad8f9e19b0" providerId="ADAL" clId="{3C3C55EA-110E-417C-8F60-DFFD46DBA29B}" dt="2024-03-21T21:12:19.774" v="7" actId="21"/>
+        <pc:sldMkLst>
+          <pc:docMk/>
+          <pc:sldMk cId="0" sldId="280"/>
+        </pc:sldMkLst>
+        <pc:picChg chg="del mod">
+          <ac:chgData name="Lines, Todd" userId="afaf7c3a-e8aa-4568-882a-02ad8f9e19b0" providerId="ADAL" clId="{3C3C55EA-110E-417C-8F60-DFFD46DBA29B}" dt="2024-03-21T21:12:19.774" v="7" actId="21"/>
+          <ac:picMkLst>
+            <pc:docMk/>
+            <pc:sldMk cId="0" sldId="280"/>
+            <ac:picMk id="2" creationId="{0714DDF9-AC15-DC61-E22E-247053E9C424}"/>
+          </ac:picMkLst>
+        </pc:picChg>
+      </pc:sldChg>
+      <pc:sldChg chg="addSp delSp modSp new mod">
+        <pc:chgData name="Lines, Todd" userId="afaf7c3a-e8aa-4568-882a-02ad8f9e19b0" providerId="ADAL" clId="{3C3C55EA-110E-417C-8F60-DFFD46DBA29B}" dt="2024-03-21T21:40:32.813" v="16" actId="21"/>
+        <pc:sldMkLst>
+          <pc:docMk/>
+          <pc:sldMk cId="150665622" sldId="1242"/>
+        </pc:sldMkLst>
+        <pc:spChg chg="add del mod">
+          <ac:chgData name="Lines, Todd" userId="afaf7c3a-e8aa-4568-882a-02ad8f9e19b0" providerId="ADAL" clId="{3C3C55EA-110E-417C-8F60-DFFD46DBA29B}" dt="2024-03-21T21:40:17.533" v="14" actId="22"/>
+          <ac:spMkLst>
+            <pc:docMk/>
+            <pc:sldMk cId="150665622" sldId="1242"/>
+            <ac:spMk id="10" creationId="{99DF2DF2-DBE6-6B7E-859F-40ADCFD8CC19}"/>
+          </ac:spMkLst>
+        </pc:spChg>
+        <pc:picChg chg="add del">
+          <ac:chgData name="Lines, Todd" userId="afaf7c3a-e8aa-4568-882a-02ad8f9e19b0" providerId="ADAL" clId="{3C3C55EA-110E-417C-8F60-DFFD46DBA29B}" dt="2024-03-21T21:36:13.120" v="10" actId="478"/>
+          <ac:picMkLst>
+            <pc:docMk/>
+            <pc:sldMk cId="150665622" sldId="1242"/>
+            <ac:picMk id="5" creationId="{32DB22B0-8C6E-A365-39E8-A94FD50B120A}"/>
+          </ac:picMkLst>
+        </pc:picChg>
+        <pc:picChg chg="add">
+          <ac:chgData name="Lines, Todd" userId="afaf7c3a-e8aa-4568-882a-02ad8f9e19b0" providerId="ADAL" clId="{3C3C55EA-110E-417C-8F60-DFFD46DBA29B}" dt="2024-03-21T21:36:15.839" v="11" actId="22"/>
+          <ac:picMkLst>
+            <pc:docMk/>
+            <pc:sldMk cId="150665622" sldId="1242"/>
+            <ac:picMk id="7" creationId="{A7CF69C3-7D24-A60D-1CE7-08A85D5712A7}"/>
+          </ac:picMkLst>
+        </pc:picChg>
+        <pc:picChg chg="del mod">
+          <ac:chgData name="Lines, Todd" userId="afaf7c3a-e8aa-4568-882a-02ad8f9e19b0" providerId="ADAL" clId="{3C3C55EA-110E-417C-8F60-DFFD46DBA29B}" dt="2024-03-21T21:36:28.397" v="13" actId="21"/>
+          <ac:picMkLst>
+            <pc:docMk/>
+            <pc:sldMk cId="150665622" sldId="1242"/>
+            <ac:picMk id="8" creationId="{57051405-61D0-F8AC-6DA2-C1ABCBFF7545}"/>
+          </ac:picMkLst>
+        </pc:picChg>
+        <pc:picChg chg="add mod ord">
+          <ac:chgData name="Lines, Todd" userId="afaf7c3a-e8aa-4568-882a-02ad8f9e19b0" providerId="ADAL" clId="{3C3C55EA-110E-417C-8F60-DFFD46DBA29B}" dt="2024-03-21T21:40:17.533" v="14" actId="22"/>
+          <ac:picMkLst>
+            <pc:docMk/>
+            <pc:sldMk cId="150665622" sldId="1242"/>
+            <ac:picMk id="12" creationId="{DF0687DC-7864-6BEF-3051-E07684402B98}"/>
+          </ac:picMkLst>
+        </pc:picChg>
+        <pc:picChg chg="del mod">
+          <ac:chgData name="Lines, Todd" userId="afaf7c3a-e8aa-4568-882a-02ad8f9e19b0" providerId="ADAL" clId="{3C3C55EA-110E-417C-8F60-DFFD46DBA29B}" dt="2024-03-21T21:40:32.813" v="16" actId="21"/>
+          <ac:picMkLst>
+            <pc:docMk/>
+            <pc:sldMk cId="150665622" sldId="1242"/>
+            <ac:picMk id="13" creationId="{735E10B1-1A4F-03EC-8245-E9881371D1C2}"/>
+          </ac:picMkLst>
+        </pc:picChg>
       </pc:sldChg>
     </pc:docChg>
   </pc:docChgLst>
@@ -4258,7 +4384,7 @@
             <a:fld id="{2775F99F-2DB3-4D3C-A0B4-277E4B73E98C}" type="datetimeFigureOut">
               <a:rPr lang="en-US" smtClean="0"/>
               <a:pPr/>
-              <a:t>1/22/2024</a:t>
+              <a:t>3/21/2024</a:t>
             </a:fld>
             <a:endParaRPr lang="en-US"/>
           </a:p>
@@ -4820,7 +4946,7 @@
             <a:fld id="{7AB66208-4CF0-4D8F-BBD3-EFFDC88D9E4E}" type="datetimeFigureOut">
               <a:rPr lang="en-US" smtClean="0"/>
               <a:pPr/>
-              <a:t>1/22/2024</a:t>
+              <a:t>3/21/2024</a:t>
             </a:fld>
             <a:endParaRPr lang="en-US"/>
           </a:p>
@@ -4985,7 +5111,7 @@
             <a:fld id="{7AB66208-4CF0-4D8F-BBD3-EFFDC88D9E4E}" type="datetimeFigureOut">
               <a:rPr lang="en-US" smtClean="0"/>
               <a:pPr/>
-              <a:t>1/22/2024</a:t>
+              <a:t>3/21/2024</a:t>
             </a:fld>
             <a:endParaRPr lang="en-US"/>
           </a:p>
@@ -5160,7 +5286,7 @@
             <a:fld id="{7AB66208-4CF0-4D8F-BBD3-EFFDC88D9E4E}" type="datetimeFigureOut">
               <a:rPr lang="en-US" smtClean="0"/>
               <a:pPr/>
-              <a:t>1/22/2024</a:t>
+              <a:t>3/21/2024</a:t>
             </a:fld>
             <a:endParaRPr lang="en-US"/>
           </a:p>
@@ -5325,7 +5451,7 @@
             <a:fld id="{7AB66208-4CF0-4D8F-BBD3-EFFDC88D9E4E}" type="datetimeFigureOut">
               <a:rPr lang="en-US" smtClean="0"/>
               <a:pPr/>
-              <a:t>1/22/2024</a:t>
+              <a:t>3/21/2024</a:t>
             </a:fld>
             <a:endParaRPr lang="en-US"/>
           </a:p>
@@ -5567,7 +5693,7 @@
             <a:fld id="{7AB66208-4CF0-4D8F-BBD3-EFFDC88D9E4E}" type="datetimeFigureOut">
               <a:rPr lang="en-US" smtClean="0"/>
               <a:pPr/>
-              <a:t>1/22/2024</a:t>
+              <a:t>3/21/2024</a:t>
             </a:fld>
             <a:endParaRPr lang="en-US"/>
           </a:p>
@@ -5849,7 +5975,7 @@
             <a:fld id="{7AB66208-4CF0-4D8F-BBD3-EFFDC88D9E4E}" type="datetimeFigureOut">
               <a:rPr lang="en-US" smtClean="0"/>
               <a:pPr/>
-              <a:t>1/22/2024</a:t>
+              <a:t>3/21/2024</a:t>
             </a:fld>
             <a:endParaRPr lang="en-US"/>
           </a:p>
@@ -6265,7 +6391,7 @@
             <a:fld id="{7AB66208-4CF0-4D8F-BBD3-EFFDC88D9E4E}" type="datetimeFigureOut">
               <a:rPr lang="en-US" smtClean="0"/>
               <a:pPr/>
-              <a:t>1/22/2024</a:t>
+              <a:t>3/21/2024</a:t>
             </a:fld>
             <a:endParaRPr lang="en-US"/>
           </a:p>
@@ -6379,7 +6505,7 @@
             <a:fld id="{7AB66208-4CF0-4D8F-BBD3-EFFDC88D9E4E}" type="datetimeFigureOut">
               <a:rPr lang="en-US" smtClean="0"/>
               <a:pPr/>
-              <a:t>1/22/2024</a:t>
+              <a:t>3/21/2024</a:t>
             </a:fld>
             <a:endParaRPr lang="en-US"/>
           </a:p>
@@ -6471,7 +6597,7 @@
             <a:fld id="{7AB66208-4CF0-4D8F-BBD3-EFFDC88D9E4E}" type="datetimeFigureOut">
               <a:rPr lang="en-US" smtClean="0"/>
               <a:pPr/>
-              <a:t>1/22/2024</a:t>
+              <a:t>3/21/2024</a:t>
             </a:fld>
             <a:endParaRPr lang="en-US"/>
           </a:p>
@@ -6743,7 +6869,7 @@
             <a:fld id="{7AB66208-4CF0-4D8F-BBD3-EFFDC88D9E4E}" type="datetimeFigureOut">
               <a:rPr lang="en-US" smtClean="0"/>
               <a:pPr/>
-              <a:t>1/22/2024</a:t>
+              <a:t>3/21/2024</a:t>
             </a:fld>
             <a:endParaRPr lang="en-US"/>
           </a:p>
@@ -6992,7 +7118,7 @@
             <a:fld id="{7AB66208-4CF0-4D8F-BBD3-EFFDC88D9E4E}" type="datetimeFigureOut">
               <a:rPr lang="en-US" smtClean="0"/>
               <a:pPr/>
-              <a:t>1/22/2024</a:t>
+              <a:t>3/21/2024</a:t>
             </a:fld>
             <a:endParaRPr lang="en-US"/>
           </a:p>
@@ -7200,7 +7326,7 @@
             <a:fld id="{7AB66208-4CF0-4D8F-BBD3-EFFDC88D9E4E}" type="datetimeFigureOut">
               <a:rPr lang="en-US" smtClean="0"/>
               <a:pPr/>
-              <a:t>1/22/2024</a:t>
+              <a:t>3/21/2024</a:t>
             </a:fld>
             <a:endParaRPr lang="en-US"/>
           </a:p>
@@ -15695,7 +15821,7 @@
           <a:lstStyle/>
           <a:p>
             <a:pPr eaLnBrk="1" hangingPunct="1"/>
-            <a:endParaRPr lang="en-US"/>
+            <a:endParaRPr lang="en-US" dirty="0"/>
           </a:p>
         </p:txBody>
       </p:sp>
@@ -23518,6 +23644,120 @@
 </p:sld>
 </file>
 
+<file path=ppt/slides/slide44.xml><?xml version="1.0" encoding="utf-8"?>
+<p:sld xmlns:a="http://schemas.openxmlformats.org/drawingml/2006/main" xmlns:r="http://schemas.openxmlformats.org/officeDocument/2006/relationships" xmlns:p="http://schemas.openxmlformats.org/presentationml/2006/main">
+  <p:cSld>
+    <p:spTree>
+      <p:nvGrpSpPr>
+        <p:cNvPr id="1" name=""/>
+        <p:cNvGrpSpPr/>
+        <p:nvPr/>
+      </p:nvGrpSpPr>
+      <p:grpSpPr>
+        <a:xfrm>
+          <a:off x="0" y="0"/>
+          <a:ext cx="0" cy="0"/>
+          <a:chOff x="0" y="0"/>
+          <a:chExt cx="0" cy="0"/>
+        </a:xfrm>
+      </p:grpSpPr>
+      <p:sp>
+        <p:nvSpPr>
+          <p:cNvPr id="2" name="Title 1">
+            <a:extLst>
+              <a:ext uri="{FF2B5EF4-FFF2-40B4-BE49-F238E27FC236}">
+                <a16:creationId xmlns:a16="http://schemas.microsoft.com/office/drawing/2014/main" id="{B33D6714-2A9E-F795-E87F-CD903BFCFA74}"/>
+              </a:ext>
+            </a:extLst>
+          </p:cNvPr>
+          <p:cNvSpPr>
+            <a:spLocks noGrp="1"/>
+          </p:cNvSpPr>
+          <p:nvPr>
+            <p:ph type="title"/>
+          </p:nvPr>
+        </p:nvSpPr>
+        <p:spPr/>
+        <p:txBody>
+          <a:bodyPr/>
+          <a:lstStyle/>
+          <a:p>
+            <a:endParaRPr lang="en-US"/>
+          </a:p>
+        </p:txBody>
+      </p:sp>
+      <p:pic>
+        <p:nvPicPr>
+          <p:cNvPr id="7" name="Picture 6">
+            <a:extLst>
+              <a:ext uri="{FF2B5EF4-FFF2-40B4-BE49-F238E27FC236}">
+                <a16:creationId xmlns:a16="http://schemas.microsoft.com/office/drawing/2014/main" id="{A7CF69C3-7D24-A60D-1CE7-08A85D5712A7}"/>
+              </a:ext>
+            </a:extLst>
+          </p:cNvPr>
+          <p:cNvPicPr>
+            <a:picLocks noChangeAspect="1"/>
+          </p:cNvPicPr>
+          <p:nvPr/>
+        </p:nvPicPr>
+        <p:blipFill>
+          <a:blip r:embed="rId2"/>
+          <a:stretch>
+            <a:fillRect/>
+          </a:stretch>
+        </p:blipFill>
+        <p:spPr>
+          <a:xfrm>
+            <a:off x="1547812" y="2947987"/>
+            <a:ext cx="6048375" cy="962025"/>
+          </a:xfrm>
+          <a:prstGeom prst="rect">
+            <a:avLst/>
+          </a:prstGeom>
+        </p:spPr>
+      </p:pic>
+      <p:pic>
+        <p:nvPicPr>
+          <p:cNvPr id="12" name="Content Placeholder 11">
+            <a:extLst>
+              <a:ext uri="{FF2B5EF4-FFF2-40B4-BE49-F238E27FC236}">
+                <a16:creationId xmlns:a16="http://schemas.microsoft.com/office/drawing/2014/main" id="{DF0687DC-7864-6BEF-3051-E07684402B98}"/>
+              </a:ext>
+            </a:extLst>
+          </p:cNvPr>
+          <p:cNvPicPr>
+            <a:picLocks noGrp="1" noChangeAspect="1"/>
+          </p:cNvPicPr>
+          <p:nvPr>
+            <p:ph idx="1"/>
+          </p:nvPr>
+        </p:nvPicPr>
+        <p:blipFill>
+          <a:blip r:embed="rId3"/>
+          <a:stretch>
+            <a:fillRect/>
+          </a:stretch>
+        </p:blipFill>
+        <p:spPr>
+          <a:xfrm>
+            <a:off x="1547812" y="3382169"/>
+            <a:ext cx="6048375" cy="962025"/>
+          </a:xfrm>
+        </p:spPr>
+      </p:pic>
+    </p:spTree>
+    <p:extLst>
+      <p:ext uri="{BB962C8B-B14F-4D97-AF65-F5344CB8AC3E}">
+        <p14:creationId xmlns:p14="http://schemas.microsoft.com/office/powerpoint/2010/main" val="150665622"/>
+      </p:ext>
+    </p:extLst>
+  </p:cSld>
+  <p:clrMapOvr>
+    <a:masterClrMapping/>
+  </p:clrMapOvr>
+</p:sld>
+</file>
+
 <file path=ppt/slides/slide5.xml><?xml version="1.0" encoding="utf-8"?>
 <p:sld xmlns:a="http://schemas.openxmlformats.org/drawingml/2006/main" xmlns:r="http://schemas.openxmlformats.org/officeDocument/2006/relationships" xmlns:p="http://schemas.openxmlformats.org/presentationml/2006/main">
   <p:cSld>
